--- a/data/편의점 기능.pptx
+++ b/data/편의점 기능.pptx
@@ -258,7 +258,7 @@
           <a:p>
             <a:fld id="{9C051B07-BB2C-4301-8F6E-6915215E0D6A}" type="datetimeFigureOut">
               <a:rPr lang="ko-KR" altLang="en-US" smtClean="0"/>
-              <a:t>2019-07-26</a:t>
+              <a:t>2019-08-07</a:t>
             </a:fld>
             <a:endParaRPr lang="ko-KR" altLang="en-US"/>
           </a:p>
@@ -426,7 +426,7 @@
           <a:p>
             <a:fld id="{9C051B07-BB2C-4301-8F6E-6915215E0D6A}" type="datetimeFigureOut">
               <a:rPr lang="ko-KR" altLang="en-US" smtClean="0"/>
-              <a:t>2019-07-26</a:t>
+              <a:t>2019-08-07</a:t>
             </a:fld>
             <a:endParaRPr lang="ko-KR" altLang="en-US"/>
           </a:p>
@@ -604,7 +604,7 @@
           <a:p>
             <a:fld id="{9C051B07-BB2C-4301-8F6E-6915215E0D6A}" type="datetimeFigureOut">
               <a:rPr lang="ko-KR" altLang="en-US" smtClean="0"/>
-              <a:t>2019-07-26</a:t>
+              <a:t>2019-08-07</a:t>
             </a:fld>
             <a:endParaRPr lang="ko-KR" altLang="en-US"/>
           </a:p>
@@ -772,7 +772,7 @@
           <a:p>
             <a:fld id="{9C051B07-BB2C-4301-8F6E-6915215E0D6A}" type="datetimeFigureOut">
               <a:rPr lang="ko-KR" altLang="en-US" smtClean="0"/>
-              <a:t>2019-07-26</a:t>
+              <a:t>2019-08-07</a:t>
             </a:fld>
             <a:endParaRPr lang="ko-KR" altLang="en-US"/>
           </a:p>
@@ -1017,7 +1017,7 @@
           <a:p>
             <a:fld id="{9C051B07-BB2C-4301-8F6E-6915215E0D6A}" type="datetimeFigureOut">
               <a:rPr lang="ko-KR" altLang="en-US" smtClean="0"/>
-              <a:t>2019-07-26</a:t>
+              <a:t>2019-08-07</a:t>
             </a:fld>
             <a:endParaRPr lang="ko-KR" altLang="en-US"/>
           </a:p>
@@ -1246,7 +1246,7 @@
           <a:p>
             <a:fld id="{9C051B07-BB2C-4301-8F6E-6915215E0D6A}" type="datetimeFigureOut">
               <a:rPr lang="ko-KR" altLang="en-US" smtClean="0"/>
-              <a:t>2019-07-26</a:t>
+              <a:t>2019-08-07</a:t>
             </a:fld>
             <a:endParaRPr lang="ko-KR" altLang="en-US"/>
           </a:p>
@@ -1610,7 +1610,7 @@
           <a:p>
             <a:fld id="{9C051B07-BB2C-4301-8F6E-6915215E0D6A}" type="datetimeFigureOut">
               <a:rPr lang="ko-KR" altLang="en-US" smtClean="0"/>
-              <a:t>2019-07-26</a:t>
+              <a:t>2019-08-07</a:t>
             </a:fld>
             <a:endParaRPr lang="ko-KR" altLang="en-US"/>
           </a:p>
@@ -1727,7 +1727,7 @@
           <a:p>
             <a:fld id="{9C051B07-BB2C-4301-8F6E-6915215E0D6A}" type="datetimeFigureOut">
               <a:rPr lang="ko-KR" altLang="en-US" smtClean="0"/>
-              <a:t>2019-07-26</a:t>
+              <a:t>2019-08-07</a:t>
             </a:fld>
             <a:endParaRPr lang="ko-KR" altLang="en-US"/>
           </a:p>
@@ -1822,7 +1822,7 @@
           <a:p>
             <a:fld id="{9C051B07-BB2C-4301-8F6E-6915215E0D6A}" type="datetimeFigureOut">
               <a:rPr lang="ko-KR" altLang="en-US" smtClean="0"/>
-              <a:t>2019-07-26</a:t>
+              <a:t>2019-08-07</a:t>
             </a:fld>
             <a:endParaRPr lang="ko-KR" altLang="en-US"/>
           </a:p>
@@ -2097,7 +2097,7 @@
           <a:p>
             <a:fld id="{9C051B07-BB2C-4301-8F6E-6915215E0D6A}" type="datetimeFigureOut">
               <a:rPr lang="ko-KR" altLang="en-US" smtClean="0"/>
-              <a:t>2019-07-26</a:t>
+              <a:t>2019-08-07</a:t>
             </a:fld>
             <a:endParaRPr lang="ko-KR" altLang="en-US"/>
           </a:p>
@@ -2349,7 +2349,7 @@
           <a:p>
             <a:fld id="{9C051B07-BB2C-4301-8F6E-6915215E0D6A}" type="datetimeFigureOut">
               <a:rPr lang="ko-KR" altLang="en-US" smtClean="0"/>
-              <a:t>2019-07-26</a:t>
+              <a:t>2019-08-07</a:t>
             </a:fld>
             <a:endParaRPr lang="ko-KR" altLang="en-US"/>
           </a:p>
@@ -2560,7 +2560,7 @@
           <a:p>
             <a:fld id="{9C051B07-BB2C-4301-8F6E-6915215E0D6A}" type="datetimeFigureOut">
               <a:rPr lang="ko-KR" altLang="en-US" smtClean="0"/>
-              <a:t>2019-07-26</a:t>
+              <a:t>2019-08-07</a:t>
             </a:fld>
             <a:endParaRPr lang="ko-KR" altLang="en-US"/>
           </a:p>
@@ -4062,30 +4062,28 @@
               <a:buChar char="-"/>
             </a:pPr>
             <a:r>
-              <a:rPr lang="ko-KR" altLang="en-US" dirty="0"/>
-              <a:t>선택하면 </a:t>
-            </a:r>
-            <a:r>
-              <a:rPr lang="ko-KR" altLang="en-US" dirty="0" err="1"/>
+              <a:rPr lang="ko-KR" altLang="en-US" dirty="0" smtClean="0"/>
+              <a:t>선택하고 조회</a:t>
+            </a:r>
+            <a:r>
+              <a:rPr lang="en-US" altLang="ko-KR" dirty="0" smtClean="0"/>
+              <a:t>, </a:t>
+            </a:r>
+            <a:r>
+              <a:rPr lang="ko-KR" altLang="en-US" dirty="0" smtClean="0"/>
+              <a:t>환불 버튼 </a:t>
+            </a:r>
+            <a:r>
+              <a:rPr lang="ko-KR" altLang="en-US" dirty="0" err="1" smtClean="0"/>
+              <a:t>클릭시</a:t>
+            </a:r>
+            <a:r>
+              <a:rPr lang="ko-KR" altLang="en-US" dirty="0" smtClean="0"/>
+              <a:t> </a:t>
+            </a:r>
+            <a:r>
+              <a:rPr lang="ko-KR" altLang="en-US" dirty="0" err="1" smtClean="0"/>
               <a:t>팝업창으로</a:t>
-            </a:r>
-            <a:r>
-              <a:rPr lang="ko-KR" altLang="en-US" dirty="0"/>
-              <a:t> </a:t>
-            </a:r>
-            <a:endParaRPr lang="en-US" altLang="ko-KR" dirty="0"/>
-          </a:p>
-          <a:p>
-            <a:pPr marL="0" indent="0">
-              <a:buNone/>
-            </a:pPr>
-            <a:r>
-              <a:rPr lang="en-US" altLang="ko-KR" dirty="0"/>
-              <a:t> (3) </a:t>
-            </a:r>
-            <a:r>
-              <a:rPr lang="ko-KR" altLang="en-US" dirty="0"/>
-              <a:t>환불 </a:t>
             </a:r>
             <a:endParaRPr lang="en-US" altLang="ko-KR" dirty="0"/>
           </a:p>
@@ -4433,7 +4431,63 @@
             </a:r>
             <a:r>
               <a:rPr lang="ko-KR" altLang="en-US" dirty="0" smtClean="0"/>
-              <a:t>입고 데이터 조회</a:t>
+              <a:t>입고 데이터 </a:t>
+            </a:r>
+            <a:r>
+              <a:rPr lang="ko-KR" altLang="en-US" dirty="0" smtClean="0"/>
+              <a:t>조회</a:t>
+            </a:r>
+            <a:endParaRPr lang="en-US" altLang="ko-KR" dirty="0" smtClean="0"/>
+          </a:p>
+          <a:p>
+            <a:pPr marL="0" indent="0">
+              <a:buNone/>
+            </a:pPr>
+            <a:r>
+              <a:rPr lang="en-US" altLang="ko-KR" dirty="0" smtClean="0"/>
+              <a:t>(4) </a:t>
+            </a:r>
+            <a:r>
+              <a:rPr lang="ko-KR" altLang="en-US" dirty="0" smtClean="0"/>
+              <a:t>재고 데이터 조회</a:t>
+            </a:r>
+            <a:endParaRPr lang="en-US" altLang="ko-KR" dirty="0" smtClean="0"/>
+          </a:p>
+          <a:p>
+            <a:pPr marL="0" indent="0">
+              <a:buNone/>
+            </a:pPr>
+            <a:r>
+              <a:rPr lang="en-US" altLang="ko-KR" dirty="0"/>
+              <a:t>	</a:t>
+            </a:r>
+            <a:r>
+              <a:rPr lang="en-US" altLang="ko-KR" dirty="0" smtClean="0"/>
+              <a:t>- </a:t>
+            </a:r>
+            <a:r>
+              <a:rPr lang="ko-KR" altLang="en-US" dirty="0" smtClean="0"/>
+              <a:t>재고 테이블과 상품 테이블을 조인하여 상품명</a:t>
+            </a:r>
+            <a:r>
+              <a:rPr lang="en-US" altLang="ko-KR" dirty="0" smtClean="0"/>
+              <a:t>, </a:t>
+            </a:r>
+            <a:r>
+              <a:rPr lang="ko-KR" altLang="en-US" dirty="0" smtClean="0"/>
+              <a:t>카테고리</a:t>
+            </a:r>
+            <a:r>
+              <a:rPr lang="ko-KR" altLang="en-US" dirty="0" smtClean="0"/>
+              <a:t>를 같이 </a:t>
+            </a:r>
+            <a:r>
+              <a:rPr lang="ko-KR" altLang="en-US" dirty="0" err="1" smtClean="0"/>
+              <a:t>줄력한다</a:t>
+            </a:r>
+            <a:r>
+              <a:rPr lang="en-US" altLang="ko-KR" dirty="0" smtClean="0"/>
+              <a:t>.</a:t>
             </a:r>
             <a:endParaRPr lang="en-US" altLang="ko-KR" dirty="0" smtClean="0"/>
           </a:p>

--- a/data/편의점 기능.pptx
+++ b/data/편의점 기능.pptx
@@ -258,7 +258,7 @@
           <a:p>
             <a:fld id="{9C051B07-BB2C-4301-8F6E-6915215E0D6A}" type="datetimeFigureOut">
               <a:rPr lang="ko-KR" altLang="en-US" smtClean="0"/>
-              <a:t>2019-08-07</a:t>
+              <a:t>2019-08-12</a:t>
             </a:fld>
             <a:endParaRPr lang="ko-KR" altLang="en-US"/>
           </a:p>
@@ -426,7 +426,7 @@
           <a:p>
             <a:fld id="{9C051B07-BB2C-4301-8F6E-6915215E0D6A}" type="datetimeFigureOut">
               <a:rPr lang="ko-KR" altLang="en-US" smtClean="0"/>
-              <a:t>2019-08-07</a:t>
+              <a:t>2019-08-12</a:t>
             </a:fld>
             <a:endParaRPr lang="ko-KR" altLang="en-US"/>
           </a:p>
@@ -604,7 +604,7 @@
           <a:p>
             <a:fld id="{9C051B07-BB2C-4301-8F6E-6915215E0D6A}" type="datetimeFigureOut">
               <a:rPr lang="ko-KR" altLang="en-US" smtClean="0"/>
-              <a:t>2019-08-07</a:t>
+              <a:t>2019-08-12</a:t>
             </a:fld>
             <a:endParaRPr lang="ko-KR" altLang="en-US"/>
           </a:p>
@@ -772,7 +772,7 @@
           <a:p>
             <a:fld id="{9C051B07-BB2C-4301-8F6E-6915215E0D6A}" type="datetimeFigureOut">
               <a:rPr lang="ko-KR" altLang="en-US" smtClean="0"/>
-              <a:t>2019-08-07</a:t>
+              <a:t>2019-08-12</a:t>
             </a:fld>
             <a:endParaRPr lang="ko-KR" altLang="en-US"/>
           </a:p>
@@ -1017,7 +1017,7 @@
           <a:p>
             <a:fld id="{9C051B07-BB2C-4301-8F6E-6915215E0D6A}" type="datetimeFigureOut">
               <a:rPr lang="ko-KR" altLang="en-US" smtClean="0"/>
-              <a:t>2019-08-07</a:t>
+              <a:t>2019-08-12</a:t>
             </a:fld>
             <a:endParaRPr lang="ko-KR" altLang="en-US"/>
           </a:p>
@@ -1246,7 +1246,7 @@
           <a:p>
             <a:fld id="{9C051B07-BB2C-4301-8F6E-6915215E0D6A}" type="datetimeFigureOut">
               <a:rPr lang="ko-KR" altLang="en-US" smtClean="0"/>
-              <a:t>2019-08-07</a:t>
+              <a:t>2019-08-12</a:t>
             </a:fld>
             <a:endParaRPr lang="ko-KR" altLang="en-US"/>
           </a:p>
@@ -1610,7 +1610,7 @@
           <a:p>
             <a:fld id="{9C051B07-BB2C-4301-8F6E-6915215E0D6A}" type="datetimeFigureOut">
               <a:rPr lang="ko-KR" altLang="en-US" smtClean="0"/>
-              <a:t>2019-08-07</a:t>
+              <a:t>2019-08-12</a:t>
             </a:fld>
             <a:endParaRPr lang="ko-KR" altLang="en-US"/>
           </a:p>
@@ -1727,7 +1727,7 @@
           <a:p>
             <a:fld id="{9C051B07-BB2C-4301-8F6E-6915215E0D6A}" type="datetimeFigureOut">
               <a:rPr lang="ko-KR" altLang="en-US" smtClean="0"/>
-              <a:t>2019-08-07</a:t>
+              <a:t>2019-08-12</a:t>
             </a:fld>
             <a:endParaRPr lang="ko-KR" altLang="en-US"/>
           </a:p>
@@ -1822,7 +1822,7 @@
           <a:p>
             <a:fld id="{9C051B07-BB2C-4301-8F6E-6915215E0D6A}" type="datetimeFigureOut">
               <a:rPr lang="ko-KR" altLang="en-US" smtClean="0"/>
-              <a:t>2019-08-07</a:t>
+              <a:t>2019-08-12</a:t>
             </a:fld>
             <a:endParaRPr lang="ko-KR" altLang="en-US"/>
           </a:p>
@@ -2097,7 +2097,7 @@
           <a:p>
             <a:fld id="{9C051B07-BB2C-4301-8F6E-6915215E0D6A}" type="datetimeFigureOut">
               <a:rPr lang="ko-KR" altLang="en-US" smtClean="0"/>
-              <a:t>2019-08-07</a:t>
+              <a:t>2019-08-12</a:t>
             </a:fld>
             <a:endParaRPr lang="ko-KR" altLang="en-US"/>
           </a:p>
@@ -2349,7 +2349,7 @@
           <a:p>
             <a:fld id="{9C051B07-BB2C-4301-8F6E-6915215E0D6A}" type="datetimeFigureOut">
               <a:rPr lang="ko-KR" altLang="en-US" smtClean="0"/>
-              <a:t>2019-08-07</a:t>
+              <a:t>2019-08-12</a:t>
             </a:fld>
             <a:endParaRPr lang="ko-KR" altLang="en-US"/>
           </a:p>
@@ -2560,7 +2560,7 @@
           <a:p>
             <a:fld id="{9C051B07-BB2C-4301-8F6E-6915215E0D6A}" type="datetimeFigureOut">
               <a:rPr lang="ko-KR" altLang="en-US" smtClean="0"/>
-              <a:t>2019-08-07</a:t>
+              <a:t>2019-08-12</a:t>
             </a:fld>
             <a:endParaRPr lang="ko-KR" altLang="en-US"/>
           </a:p>
@@ -3060,7 +3060,7 @@
               <a:t>2.</a:t>
             </a:r>
             <a:r>
-              <a:rPr lang="ko-KR" altLang="en-US" sz="3200" dirty="0" smtClean="0"/>
+              <a:rPr lang="ko-KR" altLang="en-US" sz="3200" dirty="0"/>
               <a:t>상품  </a:t>
             </a:r>
             <a:r>
@@ -3108,13 +3108,6 @@
   <p:clrMapOvr>
     <a:masterClrMapping/>
   </p:clrMapOvr>
-  <p:timing>
-    <p:tnLst>
-      <p:par>
-        <p:cTn id="1" dur="indefinite" restart="never" nodeType="tmRoot"/>
-      </p:par>
-    </p:tnLst>
-  </p:timing>
 </p:sld>
 </file>
 
@@ -3161,18 +3154,17 @@
               <a:t>3.</a:t>
             </a:r>
             <a:r>
-              <a:rPr lang="ko-KR" altLang="en-US" dirty="0" smtClean="0"/>
+              <a:rPr lang="ko-KR" altLang="en-US" dirty="0"/>
               <a:t>결제 </a:t>
             </a:r>
             <a:r>
-              <a:rPr lang="en-US" altLang="ko-KR" dirty="0" smtClean="0"/>
+              <a:rPr lang="en-US" altLang="ko-KR" dirty="0"/>
               <a:t>– </a:t>
             </a:r>
             <a:r>
-              <a:rPr lang="ko-KR" altLang="en-US" dirty="0" smtClean="0"/>
+              <a:rPr lang="ko-KR" altLang="en-US" dirty="0"/>
               <a:t>현금결제 창</a:t>
             </a:r>
-            <a:endParaRPr lang="ko-KR" altLang="en-US" dirty="0"/>
           </a:p>
         </p:txBody>
       </p:sp>
@@ -3319,10 +3311,18 @@
             </a:r>
             <a:r>
               <a:rPr lang="en-US" altLang="ko-KR" dirty="0"/>
-              <a:t>,</a:t>
-            </a:r>
-            <a:r>
-              <a:rPr lang="ko-KR" altLang="en-US" dirty="0"/>
+              <a:t>, </a:t>
+            </a:r>
+            <a:r>
+              <a:rPr lang="ko-KR" altLang="en-US" dirty="0"/>
+              <a:t>수정</a:t>
+            </a:r>
+            <a:r>
+              <a:rPr lang="en-US" altLang="ko-KR"/>
+              <a:t>, </a:t>
+            </a:r>
+            <a:r>
+              <a:rPr lang="ko-KR" altLang="en-US"/>
               <a:t>삭제</a:t>
             </a:r>
             <a:endParaRPr lang="en-US" altLang="ko-KR" dirty="0"/>
@@ -3850,21 +3850,16 @@
             </a:r>
             <a:r>
               <a:rPr lang="ko-KR" altLang="en-US" dirty="0"/>
-              <a:t>매출 </a:t>
-            </a:r>
-            <a:r>
-              <a:rPr lang="ko-KR" altLang="en-US" dirty="0" smtClean="0"/>
-              <a:t>관리 </a:t>
-            </a:r>
-            <a:r>
-              <a:rPr lang="en-US" altLang="ko-KR" dirty="0" smtClean="0"/>
+              <a:t>매출 관리 </a:t>
+            </a:r>
+            <a:r>
+              <a:rPr lang="en-US" altLang="ko-KR" dirty="0"/>
               <a:t>– </a:t>
             </a:r>
             <a:r>
-              <a:rPr lang="ko-KR" altLang="en-US" dirty="0" smtClean="0"/>
+              <a:rPr lang="ko-KR" altLang="en-US" dirty="0"/>
               <a:t>현재 시간까지의 매출</a:t>
             </a:r>
-            <a:endParaRPr lang="ko-KR" altLang="en-US" dirty="0"/>
           </a:p>
         </p:txBody>
       </p:sp>
@@ -4062,27 +4057,27 @@
               <a:buChar char="-"/>
             </a:pPr>
             <a:r>
-              <a:rPr lang="ko-KR" altLang="en-US" dirty="0" smtClean="0"/>
+              <a:rPr lang="ko-KR" altLang="en-US" dirty="0"/>
               <a:t>선택하고 조회</a:t>
             </a:r>
             <a:r>
-              <a:rPr lang="en-US" altLang="ko-KR" dirty="0" smtClean="0"/>
+              <a:rPr lang="en-US" altLang="ko-KR" dirty="0"/>
               <a:t>, </a:t>
             </a:r>
             <a:r>
-              <a:rPr lang="ko-KR" altLang="en-US" dirty="0" smtClean="0"/>
+              <a:rPr lang="ko-KR" altLang="en-US" dirty="0"/>
               <a:t>환불 버튼 </a:t>
             </a:r>
             <a:r>
-              <a:rPr lang="ko-KR" altLang="en-US" dirty="0" err="1" smtClean="0"/>
+              <a:rPr lang="ko-KR" altLang="en-US" dirty="0" err="1"/>
               <a:t>클릭시</a:t>
             </a:r>
             <a:r>
-              <a:rPr lang="ko-KR" altLang="en-US" dirty="0" smtClean="0"/>
+              <a:rPr lang="ko-KR" altLang="en-US" dirty="0"/>
               <a:t> </a:t>
             </a:r>
             <a:r>
-              <a:rPr lang="ko-KR" altLang="en-US" dirty="0" err="1" smtClean="0"/>
+              <a:rPr lang="ko-KR" altLang="en-US" dirty="0" err="1"/>
               <a:t>팝업창으로</a:t>
             </a:r>
             <a:endParaRPr lang="en-US" altLang="ko-KR" dirty="0"/>
@@ -4149,29 +4144,20 @@
           <a:p>
             <a:r>
               <a:rPr lang="en-US" altLang="ko-KR" dirty="0"/>
-              <a:t>6</a:t>
-            </a:r>
-            <a:r>
-              <a:rPr lang="en-US" altLang="ko-KR" dirty="0" smtClean="0"/>
-              <a:t>.</a:t>
-            </a:r>
-            <a:r>
-              <a:rPr lang="ko-KR" altLang="en-US" dirty="0"/>
-              <a:t> </a:t>
-            </a:r>
-            <a:r>
-              <a:rPr lang="ko-KR" altLang="en-US" dirty="0" smtClean="0"/>
-              <a:t>영수증 </a:t>
-            </a:r>
-            <a:r>
-              <a:rPr lang="en-US" altLang="ko-KR" dirty="0" smtClean="0"/>
+              <a:t>6.</a:t>
+            </a:r>
+            <a:r>
+              <a:rPr lang="ko-KR" altLang="en-US" dirty="0"/>
+              <a:t> 영수증 </a:t>
+            </a:r>
+            <a:r>
+              <a:rPr lang="en-US" altLang="ko-KR" dirty="0"/>
               <a:t>- </a:t>
             </a:r>
             <a:r>
-              <a:rPr lang="ko-KR" altLang="en-US" dirty="0" smtClean="0"/>
+              <a:rPr lang="ko-KR" altLang="en-US" dirty="0"/>
               <a:t>조회</a:t>
             </a:r>
-            <a:endParaRPr lang="ko-KR" altLang="en-US" dirty="0"/>
           </a:p>
         </p:txBody>
       </p:sp>
@@ -4258,29 +4244,20 @@
           <a:p>
             <a:r>
               <a:rPr lang="en-US" altLang="ko-KR" dirty="0"/>
-              <a:t>6</a:t>
-            </a:r>
-            <a:r>
-              <a:rPr lang="en-US" altLang="ko-KR" dirty="0" smtClean="0"/>
-              <a:t>.</a:t>
-            </a:r>
-            <a:r>
-              <a:rPr lang="ko-KR" altLang="en-US" dirty="0"/>
-              <a:t> </a:t>
-            </a:r>
-            <a:r>
-              <a:rPr lang="ko-KR" altLang="en-US" dirty="0" smtClean="0"/>
-              <a:t>영수증 </a:t>
-            </a:r>
-            <a:r>
-              <a:rPr lang="en-US" altLang="ko-KR" dirty="0" smtClean="0"/>
+              <a:t>6.</a:t>
+            </a:r>
+            <a:r>
+              <a:rPr lang="ko-KR" altLang="en-US" dirty="0"/>
+              <a:t> 영수증 </a:t>
+            </a:r>
+            <a:r>
+              <a:rPr lang="en-US" altLang="ko-KR" dirty="0"/>
               <a:t>- </a:t>
             </a:r>
             <a:r>
-              <a:rPr lang="ko-KR" altLang="en-US" dirty="0" smtClean="0"/>
+              <a:rPr lang="ko-KR" altLang="en-US" dirty="0"/>
               <a:t>조회</a:t>
             </a:r>
-            <a:endParaRPr lang="ko-KR" altLang="en-US" dirty="0"/>
           </a:p>
         </p:txBody>
       </p:sp>
@@ -4368,10 +4345,9 @@
               <a:t>1. </a:t>
             </a:r>
             <a:r>
-              <a:rPr lang="ko-KR" altLang="en-US" dirty="0" smtClean="0"/>
+              <a:rPr lang="ko-KR" altLang="en-US" dirty="0"/>
               <a:t>발주 및 입고</a:t>
             </a:r>
-            <a:endParaRPr lang="ko-KR" altLang="en-US" dirty="0"/>
           </a:p>
         </p:txBody>
       </p:sp>
@@ -4413,45 +4389,37 @@
             </a:r>
             <a:r>
               <a:rPr lang="ko-KR" altLang="en-US" dirty="0"/>
-              <a:t>발주 데이터 </a:t>
-            </a:r>
-            <a:r>
-              <a:rPr lang="ko-KR" altLang="en-US" dirty="0" smtClean="0"/>
-              <a:t>조회</a:t>
-            </a:r>
-            <a:endParaRPr lang="en-US" altLang="ko-KR" dirty="0" smtClean="0"/>
+              <a:t>발주 데이터 조회</a:t>
+            </a:r>
+            <a:endParaRPr lang="en-US" altLang="ko-KR" dirty="0"/>
           </a:p>
           <a:p>
             <a:pPr marL="0" indent="0">
               <a:buNone/>
             </a:pPr>
             <a:r>
-              <a:rPr lang="en-US" altLang="ko-KR" dirty="0" smtClean="0"/>
+              <a:rPr lang="en-US" altLang="ko-KR" dirty="0"/>
               <a:t>(3) </a:t>
             </a:r>
             <a:r>
-              <a:rPr lang="ko-KR" altLang="en-US" dirty="0" smtClean="0"/>
-              <a:t>입고 데이터 </a:t>
-            </a:r>
-            <a:r>
-              <a:rPr lang="ko-KR" altLang="en-US" dirty="0" smtClean="0"/>
-              <a:t>조회</a:t>
-            </a:r>
-            <a:endParaRPr lang="en-US" altLang="ko-KR" dirty="0" smtClean="0"/>
+              <a:rPr lang="ko-KR" altLang="en-US" dirty="0"/>
+              <a:t>입고 데이터 조회</a:t>
+            </a:r>
+            <a:endParaRPr lang="en-US" altLang="ko-KR" dirty="0"/>
           </a:p>
           <a:p>
             <a:pPr marL="0" indent="0">
               <a:buNone/>
             </a:pPr>
             <a:r>
-              <a:rPr lang="en-US" altLang="ko-KR" dirty="0" smtClean="0"/>
+              <a:rPr lang="en-US" altLang="ko-KR" dirty="0"/>
               <a:t>(4) </a:t>
             </a:r>
             <a:r>
-              <a:rPr lang="ko-KR" altLang="en-US" dirty="0" smtClean="0"/>
+              <a:rPr lang="ko-KR" altLang="en-US" dirty="0"/>
               <a:t>재고 데이터 조회</a:t>
             </a:r>
-            <a:endParaRPr lang="en-US" altLang="ko-KR" dirty="0" smtClean="0"/>
+            <a:endParaRPr lang="en-US" altLang="ko-KR" dirty="0"/>
           </a:p>
           <a:p>
             <a:pPr marL="0" indent="0">
@@ -4459,37 +4427,28 @@
             </a:pPr>
             <a:r>
               <a:rPr lang="en-US" altLang="ko-KR" dirty="0"/>
-              <a:t>	</a:t>
-            </a:r>
-            <a:r>
-              <a:rPr lang="en-US" altLang="ko-KR" dirty="0" smtClean="0"/>
-              <a:t>- </a:t>
-            </a:r>
-            <a:r>
-              <a:rPr lang="ko-KR" altLang="en-US" dirty="0" smtClean="0"/>
+              <a:t>	- </a:t>
+            </a:r>
+            <a:r>
+              <a:rPr lang="ko-KR" altLang="en-US" dirty="0"/>
               <a:t>재고 테이블과 상품 테이블을 조인하여 상품명</a:t>
             </a:r>
             <a:r>
-              <a:rPr lang="en-US" altLang="ko-KR" dirty="0" smtClean="0"/>
+              <a:rPr lang="en-US" altLang="ko-KR" dirty="0"/>
               <a:t>, </a:t>
             </a:r>
             <a:r>
-              <a:rPr lang="ko-KR" altLang="en-US" dirty="0" smtClean="0"/>
-              <a:t>카테고리</a:t>
-            </a:r>
-            <a:r>
-              <a:rPr lang="ko-KR" altLang="en-US" dirty="0" smtClean="0"/>
-              <a:t>를 같이 </a:t>
-            </a:r>
-            <a:r>
-              <a:rPr lang="ko-KR" altLang="en-US" dirty="0" err="1" smtClean="0"/>
+              <a:rPr lang="ko-KR" altLang="en-US" dirty="0"/>
+              <a:t>카테고리를 같이 </a:t>
+            </a:r>
+            <a:r>
+              <a:rPr lang="ko-KR" altLang="en-US" dirty="0" err="1"/>
               <a:t>줄력한다</a:t>
             </a:r>
             <a:r>
-              <a:rPr lang="en-US" altLang="ko-KR" dirty="0" smtClean="0"/>
+              <a:rPr lang="en-US" altLang="ko-KR" dirty="0"/>
               <a:t>.</a:t>
             </a:r>
-            <a:endParaRPr lang="en-US" altLang="ko-KR" dirty="0" smtClean="0"/>
           </a:p>
           <a:p>
             <a:pPr marL="0" indent="0">
@@ -4509,13 +4468,6 @@
   <p:clrMapOvr>
     <a:masterClrMapping/>
   </p:clrMapOvr>
-  <p:timing>
-    <p:tnLst>
-      <p:par>
-        <p:cTn id="1" dur="indefinite" restart="never" nodeType="tmRoot"/>
-      </p:par>
-    </p:tnLst>
-  </p:timing>
 </p:sld>
 </file>
 
@@ -4658,13 +4610,6 @@
   <p:clrMapOvr>
     <a:masterClrMapping/>
   </p:clrMapOvr>
-  <p:timing>
-    <p:tnLst>
-      <p:par>
-        <p:cTn id="1" dur="indefinite" restart="never" nodeType="tmRoot"/>
-      </p:par>
-    </p:tnLst>
-  </p:timing>
 </p:sld>
 </file>
 
@@ -4713,21 +4658,16 @@
             </a:r>
             <a:r>
               <a:rPr lang="ko-KR" altLang="en-US" sz="4000" dirty="0"/>
-              <a:t>상품 </a:t>
-            </a:r>
-            <a:r>
-              <a:rPr lang="ko-KR" altLang="en-US" sz="4000" dirty="0" smtClean="0"/>
-              <a:t>조회</a:t>
-            </a:r>
-            <a:r>
-              <a:rPr lang="en-US" altLang="ko-KR" sz="4000" dirty="0" smtClean="0"/>
+              <a:t>상품 조회</a:t>
+            </a:r>
+            <a:r>
+              <a:rPr lang="en-US" altLang="ko-KR" sz="4000" dirty="0"/>
               <a:t>, </a:t>
             </a:r>
             <a:r>
-              <a:rPr lang="ko-KR" altLang="en-US" sz="4000" dirty="0" smtClean="0"/>
+              <a:rPr lang="ko-KR" altLang="en-US" sz="4000" dirty="0"/>
               <a:t>등록</a:t>
             </a:r>
-            <a:endParaRPr lang="ko-KR" altLang="en-US" sz="4000" dirty="0"/>
           </a:p>
         </p:txBody>
       </p:sp>
@@ -4786,108 +4726,107 @@
           <a:lstStyle/>
           <a:p>
             <a:r>
-              <a:rPr lang="en-US" altLang="ko-KR" dirty="0" smtClean="0"/>
+              <a:rPr lang="en-US" altLang="ko-KR" dirty="0"/>
               <a:t>1. </a:t>
             </a:r>
             <a:r>
-              <a:rPr lang="ko-KR" altLang="en-US" dirty="0" smtClean="0"/>
+              <a:rPr lang="ko-KR" altLang="en-US" dirty="0"/>
               <a:t>바코드나 상품명으로 방식을 선택하여 조회 버튼 클릭 시</a:t>
             </a:r>
             <a:r>
-              <a:rPr lang="en-US" altLang="ko-KR" dirty="0" smtClean="0"/>
+              <a:rPr lang="en-US" altLang="ko-KR" dirty="0"/>
               <a:t>,</a:t>
             </a:r>
             <a:r>
-              <a:rPr lang="ko-KR" altLang="en-US" dirty="0" smtClean="0"/>
+              <a:rPr lang="ko-KR" altLang="en-US" dirty="0"/>
               <a:t> 입력한 값을 조회방식으로 조회</a:t>
             </a:r>
             <a:r>
-              <a:rPr lang="en-US" altLang="ko-KR" dirty="0" smtClean="0"/>
+              <a:rPr lang="en-US" altLang="ko-KR" dirty="0"/>
               <a:t>.</a:t>
             </a:r>
           </a:p>
           <a:p>
             <a:r>
-              <a:rPr lang="en-US" altLang="ko-KR" dirty="0" smtClean="0"/>
+              <a:rPr lang="en-US" altLang="ko-KR" dirty="0"/>
               <a:t>2. </a:t>
             </a:r>
             <a:r>
-              <a:rPr lang="ko-KR" altLang="en-US" dirty="0" smtClean="0"/>
+              <a:rPr lang="ko-KR" altLang="en-US" dirty="0"/>
               <a:t>조회 시 바코드</a:t>
             </a:r>
             <a:r>
-              <a:rPr lang="en-US" altLang="ko-KR" dirty="0" smtClean="0"/>
+              <a:rPr lang="en-US" altLang="ko-KR" dirty="0"/>
               <a:t>, </a:t>
             </a:r>
             <a:r>
-              <a:rPr lang="ko-KR" altLang="en-US" dirty="0" smtClean="0"/>
+              <a:rPr lang="ko-KR" altLang="en-US" dirty="0"/>
               <a:t>상품명</a:t>
             </a:r>
             <a:r>
-              <a:rPr lang="en-US" altLang="ko-KR" dirty="0" smtClean="0"/>
+              <a:rPr lang="en-US" altLang="ko-KR" dirty="0"/>
               <a:t>, </a:t>
             </a:r>
             <a:r>
-              <a:rPr lang="ko-KR" altLang="en-US" dirty="0" smtClean="0"/>
+              <a:rPr lang="ko-KR" altLang="en-US" dirty="0"/>
               <a:t>단가</a:t>
             </a:r>
             <a:r>
-              <a:rPr lang="en-US" altLang="ko-KR" dirty="0" smtClean="0"/>
+              <a:rPr lang="en-US" altLang="ko-KR" dirty="0"/>
               <a:t>, </a:t>
             </a:r>
             <a:r>
-              <a:rPr lang="ko-KR" altLang="en-US" dirty="0" smtClean="0"/>
+              <a:rPr lang="ko-KR" altLang="en-US" dirty="0"/>
               <a:t>대 분류</a:t>
             </a:r>
             <a:r>
-              <a:rPr lang="en-US" altLang="ko-KR" dirty="0" smtClean="0"/>
+              <a:rPr lang="en-US" altLang="ko-KR" dirty="0"/>
               <a:t>, </a:t>
             </a:r>
             <a:r>
-              <a:rPr lang="ko-KR" altLang="en-US" dirty="0" smtClean="0"/>
+              <a:rPr lang="ko-KR" altLang="en-US" dirty="0"/>
               <a:t>중 분류</a:t>
             </a:r>
             <a:r>
-              <a:rPr lang="en-US" altLang="ko-KR" dirty="0" smtClean="0"/>
+              <a:rPr lang="en-US" altLang="ko-KR" dirty="0"/>
               <a:t>, </a:t>
             </a:r>
             <a:r>
-              <a:rPr lang="ko-KR" altLang="en-US" dirty="0" smtClean="0"/>
+              <a:rPr lang="ko-KR" altLang="en-US" dirty="0"/>
               <a:t>재고</a:t>
             </a:r>
             <a:r>
-              <a:rPr lang="en-US" altLang="ko-KR" dirty="0" smtClean="0"/>
+              <a:rPr lang="en-US" altLang="ko-KR" dirty="0"/>
               <a:t>, </a:t>
             </a:r>
             <a:r>
-              <a:rPr lang="ko-KR" altLang="en-US" dirty="0" smtClean="0"/>
+              <a:rPr lang="ko-KR" altLang="en-US" dirty="0"/>
               <a:t>미성년 판매 여부 출력</a:t>
             </a:r>
             <a:r>
               <a:rPr lang="en-US" altLang="ko-KR" dirty="0"/>
               <a:t>.</a:t>
             </a:r>
-            <a:endParaRPr lang="en-US" altLang="ko-KR" dirty="0" smtClean="0"/>
-          </a:p>
-          <a:p>
-            <a:r>
-              <a:rPr lang="en-US" altLang="ko-KR" dirty="0" smtClean="0"/>
+          </a:p>
+          <a:p>
+            <a:r>
+              <a:rPr lang="en-US" altLang="ko-KR" dirty="0"/>
               <a:t>3. </a:t>
             </a:r>
             <a:r>
-              <a:rPr lang="ko-KR" altLang="en-US" dirty="0" smtClean="0"/>
+              <a:rPr lang="ko-KR" altLang="en-US" dirty="0"/>
               <a:t>탭으로 나눠서 조회는 </a:t>
             </a:r>
             <a:r>
-              <a:rPr lang="en-US" altLang="ko-KR" dirty="0" smtClean="0"/>
+              <a:rPr lang="en-US" altLang="ko-KR" dirty="0"/>
               <a:t>read-only</a:t>
             </a:r>
             <a:r>
-              <a:rPr lang="ko-KR" altLang="en-US" dirty="0" smtClean="0"/>
+              <a:rPr lang="ko-KR" altLang="en-US" dirty="0"/>
               <a:t>만 등록은 직접 입력하여 등록</a:t>
             </a:r>
             <a:r>
-              <a:rPr lang="en-US" altLang="ko-KR" dirty="0" smtClean="0"/>
+              <a:rPr lang="en-US" altLang="ko-KR" dirty="0"/>
               <a:t>.</a:t>
             </a:r>
           </a:p>
@@ -4946,14 +4885,13 @@
           <a:lstStyle/>
           <a:p>
             <a:r>
-              <a:rPr lang="en-US" altLang="ko-KR" sz="4000" dirty="0" smtClean="0"/>
+              <a:rPr lang="en-US" altLang="ko-KR" sz="4000" dirty="0"/>
               <a:t>(2)</a:t>
             </a:r>
             <a:r>
-              <a:rPr lang="ko-KR" altLang="en-US" sz="4000" dirty="0" smtClean="0"/>
+              <a:rPr lang="ko-KR" altLang="en-US" sz="4000" dirty="0"/>
               <a:t>폐기 조회</a:t>
             </a:r>
-            <a:endParaRPr lang="ko-KR" altLang="en-US" sz="4000" dirty="0"/>
           </a:p>
         </p:txBody>
       </p:sp>
@@ -4981,35 +4919,35 @@
               <a:buNone/>
             </a:pPr>
             <a:r>
-              <a:rPr lang="ko-KR" altLang="en-US" dirty="0" smtClean="0"/>
+              <a:rPr lang="ko-KR" altLang="en-US" dirty="0"/>
               <a:t>날짜로 조회</a:t>
             </a:r>
             <a:r>
-              <a:rPr lang="en-US" altLang="ko-KR" dirty="0" smtClean="0"/>
+              <a:rPr lang="en-US" altLang="ko-KR" dirty="0"/>
               <a:t>(</a:t>
             </a:r>
             <a:r>
-              <a:rPr lang="ko-KR" altLang="en-US" dirty="0" err="1" smtClean="0"/>
+              <a:rPr lang="ko-KR" altLang="en-US" dirty="0" err="1"/>
               <a:t>조회버튼</a:t>
             </a:r>
             <a:r>
-              <a:rPr lang="ko-KR" altLang="en-US" dirty="0" smtClean="0"/>
+              <a:rPr lang="ko-KR" altLang="en-US" dirty="0"/>
               <a:t> 없앰</a:t>
             </a:r>
             <a:r>
-              <a:rPr lang="en-US" altLang="ko-KR" dirty="0" smtClean="0"/>
+              <a:rPr lang="en-US" altLang="ko-KR" dirty="0"/>
               <a:t>. ), </a:t>
             </a:r>
             <a:r>
-              <a:rPr lang="ko-KR" altLang="en-US" dirty="0" err="1" smtClean="0"/>
+              <a:rPr lang="ko-KR" altLang="en-US" dirty="0" err="1"/>
               <a:t>대분류</a:t>
             </a:r>
             <a:r>
-              <a:rPr lang="ko-KR" altLang="en-US" dirty="0" smtClean="0"/>
+              <a:rPr lang="ko-KR" altLang="en-US" dirty="0"/>
               <a:t> 중분류 둘다 넣는다</a:t>
             </a:r>
             <a:r>
-              <a:rPr lang="en-US" altLang="ko-KR" dirty="0" smtClean="0"/>
+              <a:rPr lang="en-US" altLang="ko-KR" dirty="0"/>
               <a:t>. </a:t>
             </a:r>
           </a:p>
@@ -5098,15 +5036,7 @@
             </a:r>
             <a:r>
               <a:rPr lang="ko-KR" altLang="en-US" dirty="0"/>
-              <a:t>폐기 </a:t>
-            </a:r>
-            <a:r>
-              <a:rPr lang="ko-KR" altLang="en-US" dirty="0" smtClean="0"/>
-              <a:t>등록</a:t>
-            </a:r>
-            <a:r>
-              <a:rPr lang="en-US" altLang="ko-KR" dirty="0"/>
-              <a:t/>
+              <a:t>폐기 등록</a:t>
             </a:r>
             <a:br>
               <a:rPr lang="en-US" altLang="ko-KR" dirty="0"/>
@@ -5168,27 +5098,27 @@
           <a:lstStyle/>
           <a:p>
             <a:r>
-              <a:rPr lang="ko-KR" altLang="en-US" dirty="0" smtClean="0"/>
+              <a:rPr lang="ko-KR" altLang="en-US" dirty="0"/>
               <a:t>바코드 입력을 받고 </a:t>
             </a:r>
             <a:r>
-              <a:rPr lang="ko-KR" altLang="en-US" dirty="0" err="1" smtClean="0"/>
+              <a:rPr lang="ko-KR" altLang="en-US" dirty="0" err="1"/>
               <a:t>폐기등록</a:t>
             </a:r>
             <a:r>
-              <a:rPr lang="ko-KR" altLang="en-US" dirty="0" smtClean="0"/>
+              <a:rPr lang="ko-KR" altLang="en-US" dirty="0"/>
               <a:t> 버튼을 누르면 </a:t>
             </a:r>
             <a:r>
-              <a:rPr lang="ko-KR" altLang="en-US" dirty="0" err="1" smtClean="0"/>
+              <a:rPr lang="ko-KR" altLang="en-US" dirty="0" err="1"/>
               <a:t>폐기등록</a:t>
             </a:r>
             <a:r>
-              <a:rPr lang="ko-KR" altLang="en-US" dirty="0" smtClean="0"/>
+              <a:rPr lang="ko-KR" altLang="en-US" dirty="0"/>
               <a:t> 화면에 폐기 정보가 나타남</a:t>
             </a:r>
             <a:r>
-              <a:rPr lang="en-US" altLang="ko-KR" dirty="0" smtClean="0"/>
+              <a:rPr lang="en-US" altLang="ko-KR" dirty="0"/>
               <a:t>.</a:t>
             </a:r>
           </a:p>
@@ -5382,18 +5312,17 @@
               <a:t>3.</a:t>
             </a:r>
             <a:r>
-              <a:rPr lang="ko-KR" altLang="en-US" dirty="0" smtClean="0"/>
+              <a:rPr lang="ko-KR" altLang="en-US" dirty="0"/>
               <a:t>결제 </a:t>
             </a:r>
             <a:r>
-              <a:rPr lang="en-US" altLang="ko-KR" dirty="0" smtClean="0"/>
+              <a:rPr lang="en-US" altLang="ko-KR" dirty="0"/>
               <a:t>- </a:t>
             </a:r>
             <a:r>
-              <a:rPr lang="ko-KR" altLang="en-US" dirty="0" smtClean="0"/>
+              <a:rPr lang="ko-KR" altLang="en-US" dirty="0"/>
               <a:t>장바구니</a:t>
             </a:r>
-            <a:endParaRPr lang="ko-KR" altLang="en-US" dirty="0"/>
           </a:p>
         </p:txBody>
       </p:sp>
@@ -5485,18 +5414,17 @@
               <a:t>3.</a:t>
             </a:r>
             <a:r>
-              <a:rPr lang="ko-KR" altLang="en-US" dirty="0" smtClean="0"/>
+              <a:rPr lang="ko-KR" altLang="en-US" dirty="0"/>
               <a:t>결제 </a:t>
             </a:r>
             <a:r>
-              <a:rPr lang="en-US" altLang="ko-KR" dirty="0" smtClean="0"/>
+              <a:rPr lang="en-US" altLang="ko-KR" dirty="0"/>
               <a:t>- </a:t>
             </a:r>
             <a:r>
-              <a:rPr lang="ko-KR" altLang="en-US" dirty="0" smtClean="0"/>
+              <a:rPr lang="ko-KR" altLang="en-US" dirty="0"/>
               <a:t>카드결제</a:t>
             </a:r>
-            <a:endParaRPr lang="ko-KR" altLang="en-US" dirty="0"/>
           </a:p>
         </p:txBody>
       </p:sp>
